--- a/Presentation/Decision Tree Classification __(ID3).pptx
+++ b/Presentation/Decision Tree Classification __(ID3).pptx
@@ -32,35 +32,35 @@
   <p:notesSz cx="6858000" cy="9144000"/>
   <p:embeddedFontLst>
     <p:embeddedFont>
-      <p:font typeface="Raleway" panose="020B0604020202020204" charset="0"/>
+      <p:font typeface="Calibri" panose="020F0502020204030204" pitchFamily="34" charset="0"/>
       <p:regular r:id="rId22"/>
       <p:bold r:id="rId23"/>
       <p:italic r:id="rId24"/>
       <p:boldItalic r:id="rId25"/>
     </p:embeddedFont>
     <p:embeddedFont>
-      <p:font typeface="Calibri" panose="020F0502020204030204" pitchFamily="34" charset="0"/>
+      <p:font typeface="Roboto" panose="020B0604020202020204" charset="0"/>
       <p:regular r:id="rId26"/>
       <p:bold r:id="rId27"/>
       <p:italic r:id="rId28"/>
       <p:boldItalic r:id="rId29"/>
     </p:embeddedFont>
     <p:embeddedFont>
-      <p:font typeface="Raleway Medium" panose="020B0604020202020204" charset="0"/>
+      <p:font typeface="Lato" panose="020B0604020202020204" charset="0"/>
       <p:regular r:id="rId30"/>
       <p:bold r:id="rId31"/>
       <p:italic r:id="rId32"/>
       <p:boldItalic r:id="rId33"/>
     </p:embeddedFont>
     <p:embeddedFont>
-      <p:font typeface="Lato" panose="020B0604020202020204" charset="0"/>
+      <p:font typeface="Raleway Medium" panose="020B0604020202020204" charset="0"/>
       <p:regular r:id="rId34"/>
       <p:bold r:id="rId35"/>
       <p:italic r:id="rId36"/>
       <p:boldItalic r:id="rId37"/>
     </p:embeddedFont>
     <p:embeddedFont>
-      <p:font typeface="Roboto" panose="020B0604020202020204" charset="0"/>
+      <p:font typeface="Raleway" panose="020B0604020202020204" charset="0"/>
       <p:regular r:id="rId38"/>
       <p:bold r:id="rId39"/>
       <p:italic r:id="rId40"/>
@@ -1444,7 +1444,7 @@
         </p:nvSpPr>
         <p:spPr>
           <a:xfrm>
-            <a:off x="381300" y="685800"/>
+            <a:off x="381000" y="685800"/>
             <a:ext cx="6096000" cy="3429000"/>
           </a:xfrm>
           <a:custGeom>
@@ -10383,7 +10383,7 @@
               <a:buChar char="●"/>
             </a:pPr>
             <a:r>
-              <a:rPr lang="en-GB" sz="1400">
+              <a:rPr lang="en-GB" sz="1400" b="1" dirty="0">
                 <a:solidFill>
                   <a:schemeClr val="dk2"/>
                 </a:solidFill>
@@ -10391,9 +10391,42 @@
                   <a:schemeClr val="lt1"/>
                 </a:highlight>
               </a:rPr>
-              <a:t>Pruning is a technique used in decision tree algorithms to reduce the size of the tree by removing branches that are not significant. The goal of pruning is to reduce the complexity of the tree and avoid overfitting, which occurs when the tree becomes too complex and captures too much noise in the data.</a:t>
+              <a:t>Pruning</a:t>
             </a:r>
-            <a:endParaRPr sz="1400">
+            <a:r>
+              <a:rPr lang="en-GB" sz="1400" dirty="0">
+                <a:solidFill>
+                  <a:schemeClr val="dk2"/>
+                </a:solidFill>
+                <a:highlight>
+                  <a:schemeClr val="lt1"/>
+                </a:highlight>
+              </a:rPr>
+              <a:t> is a technique used in decision tree algorithms to reduce the size of the tree by removing branches that are not significant. The goal of pruning is to reduce the complexity of the tree and avoid </a:t>
+            </a:r>
+            <a:r>
+              <a:rPr lang="en-GB" sz="1400" dirty="0" err="1">
+                <a:solidFill>
+                  <a:schemeClr val="dk2"/>
+                </a:solidFill>
+                <a:highlight>
+                  <a:schemeClr val="lt1"/>
+                </a:highlight>
+              </a:rPr>
+              <a:t>overfitting</a:t>
+            </a:r>
+            <a:r>
+              <a:rPr lang="en-GB" sz="1400" dirty="0">
+                <a:solidFill>
+                  <a:schemeClr val="dk2"/>
+                </a:solidFill>
+                <a:highlight>
+                  <a:schemeClr val="lt1"/>
+                </a:highlight>
+              </a:rPr>
+              <a:t>, which occurs when the tree becomes too complex and captures too much noise in the data.</a:t>
+            </a:r>
+            <a:endParaRPr sz="1400" dirty="0">
               <a:solidFill>
                 <a:schemeClr val="dk2"/>
               </a:solidFill>
@@ -10417,7 +10450,7 @@
               <a:buChar char="●"/>
             </a:pPr>
             <a:r>
-              <a:rPr lang="en-GB" sz="1400">
+              <a:rPr lang="en-GB" sz="1400" b="1" dirty="0">
                 <a:solidFill>
                   <a:schemeClr val="dk2"/>
                 </a:solidFill>
@@ -10425,9 +10458,20 @@
                   <a:schemeClr val="lt1"/>
                 </a:highlight>
               </a:rPr>
-              <a:t>Pre-pruning is a type of pruning that takes place before the tree is fully grown. It involves setting a maximum depth for the tree, limiting the number of features to consider for each split, or using a minimum number of samples required to split a node. </a:t>
+              <a:t>Pre-pruning</a:t>
             </a:r>
-            <a:endParaRPr sz="1400">
+            <a:r>
+              <a:rPr lang="en-GB" sz="1400" dirty="0">
+                <a:solidFill>
+                  <a:schemeClr val="dk2"/>
+                </a:solidFill>
+                <a:highlight>
+                  <a:schemeClr val="lt1"/>
+                </a:highlight>
+              </a:rPr>
+              <a:t> is a type of pruning that takes place before the tree is fully grown. It involves setting a maximum depth for the tree, limiting the number of features to consider for each split, or using a minimum number of samples required to split a node. </a:t>
+            </a:r>
+            <a:endParaRPr sz="1400" dirty="0">
               <a:solidFill>
                 <a:schemeClr val="dk2"/>
               </a:solidFill>
@@ -10451,7 +10495,7 @@
               <a:buChar char="●"/>
             </a:pPr>
             <a:r>
-              <a:rPr lang="en-GB" sz="1400">
+              <a:rPr lang="en-GB" sz="1400" b="1" dirty="0">
                 <a:solidFill>
                   <a:schemeClr val="dk2"/>
                 </a:solidFill>
@@ -10459,9 +10503,20 @@
                   <a:schemeClr val="lt1"/>
                 </a:highlight>
               </a:rPr>
-              <a:t>Post-pruning is a type of pruning that takes place after the tree is fully grown. It involves removing sub-trees that do not significantly impact the accuracy of the predictions. The process of post-pruning usually involves evaluating the accuracy of the tree on a validation set and removing sub-trees that do not improve the accuracy.</a:t>
+              <a:t>Post-pruning</a:t>
             </a:r>
-            <a:endParaRPr sz="1400">
+            <a:r>
+              <a:rPr lang="en-GB" sz="1400" dirty="0">
+                <a:solidFill>
+                  <a:schemeClr val="dk2"/>
+                </a:solidFill>
+                <a:highlight>
+                  <a:schemeClr val="lt1"/>
+                </a:highlight>
+              </a:rPr>
+              <a:t> is a type of pruning that takes place after the tree is fully grown. It involves removing sub-trees that do not significantly impact the accuracy of the predictions. The process of post-pruning usually involves evaluating the accuracy of the tree on a validation set and removing sub-trees that do not improve the accuracy.</a:t>
+            </a:r>
+            <a:endParaRPr sz="1400" dirty="0">
               <a:solidFill>
                 <a:schemeClr val="dk2"/>
               </a:solidFill>
@@ -11442,7 +11497,7 @@
         </p:spPr>
         <p:txBody>
           <a:bodyPr spcFirstLastPara="1" wrap="square" lIns="91425" tIns="91425" rIns="91425" bIns="91425" anchor="t" anchorCtr="0">
-            <a:normAutofit/>
+            <a:normAutofit lnSpcReduction="10000"/>
           </a:bodyPr>
           <a:lstStyle/>
           <a:p>
@@ -11461,7 +11516,7 @@
               <a:buAutoNum type="arabicPeriod"/>
             </a:pPr>
             <a:r>
-              <a:rPr lang="en-GB" sz="1400">
+              <a:rPr lang="en-GB" sz="1400" dirty="0">
                 <a:solidFill>
                   <a:srgbClr val="637052"/>
                 </a:solidFill>
@@ -11472,7 +11527,7 @@
               </a:rPr>
               <a:t>Introduction to Decision Tree </a:t>
             </a:r>
-            <a:endParaRPr sz="1400">
+            <a:endParaRPr sz="1400" dirty="0">
               <a:solidFill>
                 <a:srgbClr val="637052"/>
               </a:solidFill>
@@ -11501,7 +11556,7 @@
               <a:buAutoNum type="arabicPeriod"/>
             </a:pPr>
             <a:r>
-              <a:rPr lang="en-GB" sz="1400">
+              <a:rPr lang="en-GB" sz="1400" dirty="0">
                 <a:solidFill>
                   <a:srgbClr val="637052"/>
                 </a:solidFill>
@@ -11515,7 +11570,7 @@
               </a:rPr>
               <a:t>How Decision Tree Works ?</a:t>
             </a:r>
-            <a:endParaRPr sz="1400">
+            <a:endParaRPr sz="1400" dirty="0">
               <a:solidFill>
                 <a:srgbClr val="637052"/>
               </a:solidFill>
@@ -11547,7 +11602,7 @@
               <a:buAutoNum type="arabicPeriod"/>
             </a:pPr>
             <a:r>
-              <a:rPr lang="en-GB" sz="1400">
+              <a:rPr lang="en-GB" sz="1400" dirty="0">
                 <a:solidFill>
                   <a:srgbClr val="637052"/>
                 </a:solidFill>
@@ -11561,7 +11616,7 @@
               </a:rPr>
               <a:t>Cost Function in a Decision Tree</a:t>
             </a:r>
-            <a:endParaRPr sz="1400">
+            <a:endParaRPr sz="1400" dirty="0">
               <a:solidFill>
                 <a:srgbClr val="637052"/>
               </a:solidFill>
@@ -11593,7 +11648,7 @@
               <a:buAutoNum type="arabicPeriod"/>
             </a:pPr>
             <a:r>
-              <a:rPr lang="en-GB" sz="1400">
+              <a:rPr lang="en-GB" sz="1400" dirty="0">
                 <a:solidFill>
                   <a:srgbClr val="637052"/>
                 </a:solidFill>
@@ -11602,9 +11657,33 @@
                 <a:cs typeface="Raleway"/>
                 <a:sym typeface="Raleway"/>
               </a:rPr>
-              <a:t>Iterative Dichotomiser(ID3)</a:t>
+              <a:t>Iterative </a:t>
             </a:r>
-            <a:endParaRPr sz="1400">
+            <a:r>
+              <a:rPr lang="en-GB" sz="1400" dirty="0" err="1">
+                <a:solidFill>
+                  <a:srgbClr val="637052"/>
+                </a:solidFill>
+                <a:latin typeface="Raleway"/>
+                <a:ea typeface="Raleway"/>
+                <a:cs typeface="Raleway"/>
+                <a:sym typeface="Raleway"/>
+              </a:rPr>
+              <a:t>Dichotomiser</a:t>
+            </a:r>
+            <a:r>
+              <a:rPr lang="en-GB" sz="1400" dirty="0">
+                <a:solidFill>
+                  <a:srgbClr val="637052"/>
+                </a:solidFill>
+                <a:latin typeface="Raleway"/>
+                <a:ea typeface="Raleway"/>
+                <a:cs typeface="Raleway"/>
+                <a:sym typeface="Raleway"/>
+              </a:rPr>
+              <a:t>(ID3)</a:t>
+            </a:r>
+            <a:endParaRPr sz="1400" dirty="0">
               <a:solidFill>
                 <a:srgbClr val="637052"/>
               </a:solidFill>
@@ -11633,7 +11712,7 @@
               <a:buAutoNum type="arabicPeriod"/>
             </a:pPr>
             <a:r>
-              <a:rPr lang="en-GB" sz="1400">
+              <a:rPr lang="en-GB" sz="1400" dirty="0">
                 <a:solidFill>
                   <a:srgbClr val="637052"/>
                 </a:solidFill>
@@ -11644,7 +11723,7 @@
               </a:rPr>
               <a:t>Entropy</a:t>
             </a:r>
-            <a:endParaRPr sz="1400">
+            <a:endParaRPr sz="1400" dirty="0">
               <a:solidFill>
                 <a:srgbClr val="637052"/>
               </a:solidFill>
@@ -11673,7 +11752,7 @@
               <a:buAutoNum type="arabicPeriod"/>
             </a:pPr>
             <a:r>
-              <a:rPr lang="en-GB" sz="1400">
+              <a:rPr lang="en-GB" sz="1400" dirty="0">
                 <a:solidFill>
                   <a:srgbClr val="637052"/>
                 </a:solidFill>
@@ -11684,7 +11763,7 @@
               </a:rPr>
               <a:t>Information Gain</a:t>
             </a:r>
-            <a:endParaRPr sz="1400">
+            <a:endParaRPr sz="1400" dirty="0">
               <a:solidFill>
                 <a:srgbClr val="637052"/>
               </a:solidFill>
@@ -11713,7 +11792,7 @@
               <a:buAutoNum type="arabicPeriod"/>
             </a:pPr>
             <a:r>
-              <a:rPr lang="en-GB" sz="1400">
+              <a:rPr lang="en-GB" sz="1400" dirty="0" smtClean="0">
                 <a:solidFill>
                   <a:srgbClr val="637052"/>
                 </a:solidFill>
@@ -11722,9 +11801,21 @@
                 <a:cs typeface="Raleway"/>
                 <a:sym typeface="Raleway"/>
               </a:rPr>
-              <a:t>Overfitting Problem and how to avoid it</a:t>
+              <a:t>Over-fitting </a:t>
             </a:r>
-            <a:endParaRPr sz="1400">
+            <a:r>
+              <a:rPr lang="en-GB" sz="1400" dirty="0">
+                <a:solidFill>
+                  <a:srgbClr val="637052"/>
+                </a:solidFill>
+                <a:latin typeface="Raleway"/>
+                <a:ea typeface="Raleway"/>
+                <a:cs typeface="Raleway"/>
+                <a:sym typeface="Raleway"/>
+              </a:rPr>
+              <a:t>Problem and how to avoid it</a:t>
+            </a:r>
+            <a:endParaRPr sz="1400" dirty="0">
               <a:solidFill>
                 <a:srgbClr val="637052"/>
               </a:solidFill>
@@ -11753,7 +11844,7 @@
               <a:buAutoNum type="arabicPeriod"/>
             </a:pPr>
             <a:r>
-              <a:rPr lang="en-GB" sz="1400">
+              <a:rPr lang="en-GB" sz="1400" dirty="0" smtClean="0">
                 <a:solidFill>
                   <a:srgbClr val="637052"/>
                 </a:solidFill>
@@ -11762,9 +11853,9 @@
                 <a:cs typeface="Raleway"/>
                 <a:sym typeface="Raleway"/>
               </a:rPr>
-              <a:t>Avantages</a:t>
+              <a:t>Advantages</a:t>
             </a:r>
-            <a:endParaRPr sz="1400">
+            <a:endParaRPr sz="1400" dirty="0">
               <a:solidFill>
                 <a:srgbClr val="637052"/>
               </a:solidFill>
@@ -11793,7 +11884,7 @@
               <a:buAutoNum type="arabicPeriod"/>
             </a:pPr>
             <a:r>
-              <a:rPr lang="en-GB" sz="1400">
+              <a:rPr lang="en-GB" sz="1400" dirty="0" smtClean="0">
                 <a:solidFill>
                   <a:srgbClr val="637052"/>
                 </a:solidFill>
@@ -11804,7 +11895,38 @@
               </a:rPr>
               <a:t>Disadvantages</a:t>
             </a:r>
-            <a:endParaRPr sz="1400">
+          </a:p>
+          <a:p>
+            <a:pPr marL="457200" lvl="0" indent="-317500" algn="l" rtl="0">
+              <a:lnSpc>
+                <a:spcPct val="100000"/>
+              </a:lnSpc>
+              <a:spcBef>
+                <a:spcPts val="0"/>
+              </a:spcBef>
+              <a:spcAft>
+                <a:spcPts val="0"/>
+              </a:spcAft>
+              <a:buClr>
+                <a:srgbClr val="637052"/>
+              </a:buClr>
+              <a:buSzPts val="1400"/>
+              <a:buFont typeface="Raleway"/>
+              <a:buAutoNum type="arabicPeriod"/>
+            </a:pPr>
+            <a:r>
+              <a:rPr lang="en-GB" sz="1400" dirty="0" smtClean="0">
+                <a:solidFill>
+                  <a:srgbClr val="637052"/>
+                </a:solidFill>
+                <a:latin typeface="Raleway"/>
+                <a:ea typeface="Raleway"/>
+                <a:cs typeface="Raleway"/>
+                <a:sym typeface="Raleway"/>
+              </a:rPr>
+              <a:t>Conclusion</a:t>
+            </a:r>
+            <a:endParaRPr sz="1400" dirty="0">
               <a:solidFill>
                 <a:srgbClr val="637052"/>
               </a:solidFill>
@@ -11827,7 +11949,7 @@
               </a:spcAft>
               <a:buNone/>
             </a:pPr>
-            <a:endParaRPr sz="1400">
+            <a:endParaRPr sz="1400" dirty="0">
               <a:solidFill>
                 <a:srgbClr val="637052"/>
               </a:solidFill>
